--- a/BIOTS - Team Energy Online.pptx
+++ b/BIOTS - Team Energy Online.pptx
@@ -3823,7 +3823,15 @@
                 <a:ea typeface="Arial" charset="0"/>
                 <a:cs typeface="Arial" charset="0"/>
               </a:rPr>
-              <a:t> Shah (DMAV), </a:t>
+              <a:t> Shah </a:t>
+            </a:r>
+            <a:r>
+              <a:rPr lang="en-US" sz="2400">
+                <a:latin typeface="Arial" charset="0"/>
+                <a:ea typeface="Arial" charset="0"/>
+                <a:cs typeface="Arial" charset="0"/>
+              </a:rPr>
+              <a:t>(DMAVT), </a:t>
             </a:r>
             <a:br>
               <a:rPr lang="en-US" sz="2400" dirty="0">
